--- a/spring13/slides13/time-to-fail.pptx
+++ b/spring13/slides13/time-to-fail.pptx
@@ -5,10 +5,10 @@
     <p:sldMasterId id="2147483648" r:id="rId1"/>
   </p:sldMasterIdLst>
   <p:notesMasterIdLst>
-    <p:notesMasterId r:id="rId15"/>
+    <p:notesMasterId r:id="rId16"/>
   </p:notesMasterIdLst>
   <p:handoutMasterIdLst>
-    <p:handoutMasterId r:id="rId16"/>
+    <p:handoutMasterId r:id="rId17"/>
   </p:handoutMasterIdLst>
   <p:sldIdLst>
     <p:sldId id="302" r:id="rId2"/>
@@ -22,8 +22,9 @@
     <p:sldId id="338" r:id="rId10"/>
     <p:sldId id="339" r:id="rId11"/>
     <p:sldId id="363" r:id="rId12"/>
-    <p:sldId id="340" r:id="rId13"/>
-    <p:sldId id="341" r:id="rId14"/>
+    <p:sldId id="370" r:id="rId13"/>
+    <p:sldId id="340" r:id="rId14"/>
+    <p:sldId id="341" r:id="rId15"/>
   </p:sldIdLst>
   <p:sldSz cx="9144000" cy="6858000" type="screen4x3"/>
   <p:notesSz cx="9601200" cy="7315200"/>
@@ -1184,7 +1185,7 @@
               <a:pPr>
                 <a:defRPr/>
               </a:pPr>
-              <a:t>12</a:t>
+              <a:t>13</a:t>
             </a:fld>
             <a:endParaRPr lang="en-US"/>
           </a:p>
@@ -1271,7 +1272,7 @@
               <a:pPr>
                 <a:defRPr/>
               </a:pPr>
-              <a:t>13</a:t>
+              <a:t>14</a:t>
             </a:fld>
             <a:endParaRPr lang="en-US"/>
           </a:p>
@@ -3634,7 +3635,7 @@
           <a:graphicData uri="http://schemas.openxmlformats.org/presentationml/2006/ole">
             <mc:AlternateContent xmlns:mc="http://schemas.openxmlformats.org/markup-compatibility/2006">
               <mc:Choice xmlns:v="urn:schemas-microsoft-com:vml" Requires="v">
-                <p:oleObj spid="_x0000_s227379" name="Equation" r:id="rId4" imgW="279400" imgH="508000" progId="Equation.DSMT4">
+                <p:oleObj spid="_x0000_s227382" name="Equation" r:id="rId4" imgW="279400" imgH="508000" progId="Equation.DSMT4">
                   <p:embed/>
                 </p:oleObj>
               </mc:Choice>
@@ -4634,6 +4635,529 @@
 </file>
 
 <file path=ppt/slides/slide12.xml><?xml version="1.0" encoding="utf-8"?>
+<p:sld xmlns:a="http://schemas.openxmlformats.org/drawingml/2006/main" xmlns:r="http://schemas.openxmlformats.org/officeDocument/2006/relationships" xmlns:p="http://schemas.openxmlformats.org/presentationml/2006/main">
+  <p:cSld>
+    <p:spTree>
+      <p:nvGrpSpPr>
+        <p:cNvPr id="1" name=""/>
+        <p:cNvGrpSpPr/>
+        <p:nvPr/>
+      </p:nvGrpSpPr>
+      <p:grpSpPr>
+        <a:xfrm>
+          <a:off x="0" y="0"/>
+          <a:ext cx="0" cy="0"/>
+          <a:chOff x="0" y="0"/>
+          <a:chExt cx="0" cy="0"/>
+        </a:xfrm>
+      </p:grpSpPr>
+      <p:sp>
+        <p:nvSpPr>
+          <p:cNvPr id="2" name="Title 1"/>
+          <p:cNvSpPr>
+            <a:spLocks noGrp="1"/>
+          </p:cNvSpPr>
+          <p:nvPr>
+            <p:ph type="title"/>
+          </p:nvPr>
+        </p:nvSpPr>
+        <p:spPr/>
+        <p:txBody>
+          <a:bodyPr/>
+          <a:lstStyle/>
+          <a:p>
+            <a:r>
+              <a:rPr lang="en-US" dirty="0" smtClean="0"/>
+              <a:t>Intuitive argument</a:t>
+            </a:r>
+            <a:endParaRPr lang="en-US" dirty="0"/>
+          </a:p>
+        </p:txBody>
+      </p:sp>
+      <p:sp>
+        <p:nvSpPr>
+          <p:cNvPr id="3" name="Content Placeholder 2"/>
+          <p:cNvSpPr>
+            <a:spLocks noGrp="1"/>
+          </p:cNvSpPr>
+          <p:nvPr>
+            <p:ph idx="1"/>
+          </p:nvPr>
+        </p:nvSpPr>
+        <p:spPr>
+          <a:xfrm>
+            <a:off x="581940" y="1246728"/>
+            <a:ext cx="7832075" cy="2960496"/>
+          </a:xfrm>
+        </p:spPr>
+        <p:txBody>
+          <a:bodyPr/>
+          <a:lstStyle/>
+          <a:p>
+            <a:r>
+              <a:rPr lang="en-US" sz="4800" dirty="0" smtClean="0">
+                <a:solidFill>
+                  <a:srgbClr val="0000FF"/>
+                </a:solidFill>
+              </a:rPr>
+              <a:t>E[#fails in 1 try] </a:t>
+            </a:r>
+            <a:r>
+              <a:rPr lang="en-US" sz="4800" b="1" dirty="0" smtClean="0">
+                <a:solidFill>
+                  <a:srgbClr val="0000FF"/>
+                </a:solidFill>
+                <a:latin typeface="Euclid Symbol" charset="2"/>
+                <a:cs typeface="Euclid Symbol" charset="2"/>
+              </a:rPr>
+              <a:t>=</a:t>
+            </a:r>
+            <a:r>
+              <a:rPr lang="en-US" sz="4800" dirty="0" smtClean="0">
+                <a:solidFill>
+                  <a:srgbClr val="0000FF"/>
+                </a:solidFill>
+              </a:rPr>
+              <a:t> p</a:t>
+            </a:r>
+          </a:p>
+          <a:p>
+            <a:r>
+              <a:rPr lang="en-US" sz="4800" dirty="0">
+                <a:solidFill>
+                  <a:srgbClr val="0000FF"/>
+                </a:solidFill>
+              </a:rPr>
+              <a:t>E[#fails in </a:t>
+            </a:r>
+            <a:r>
+              <a:rPr lang="en-US" sz="4800" dirty="0" smtClean="0">
+                <a:solidFill>
+                  <a:srgbClr val="0000FF"/>
+                </a:solidFill>
+              </a:rPr>
+              <a:t>n tries] </a:t>
+            </a:r>
+            <a:r>
+              <a:rPr lang="en-US" sz="4800" b="1" dirty="0">
+                <a:solidFill>
+                  <a:srgbClr val="0000FF"/>
+                </a:solidFill>
+                <a:latin typeface="Euclid Symbol" charset="2"/>
+                <a:cs typeface="Euclid Symbol" charset="2"/>
+              </a:rPr>
+              <a:t>=</a:t>
+            </a:r>
+            <a:r>
+              <a:rPr lang="en-US" sz="4800" dirty="0">
+                <a:solidFill>
+                  <a:srgbClr val="0000FF"/>
+                </a:solidFill>
+              </a:rPr>
+              <a:t> </a:t>
+            </a:r>
+            <a:r>
+              <a:rPr lang="en-US" sz="4800" dirty="0" err="1" smtClean="0">
+                <a:solidFill>
+                  <a:srgbClr val="0000FF"/>
+                </a:solidFill>
+              </a:rPr>
+              <a:t>np</a:t>
+            </a:r>
+            <a:endParaRPr lang="en-US" sz="4800" dirty="0" smtClean="0">
+              <a:solidFill>
+                <a:srgbClr val="0000FF"/>
+              </a:solidFill>
+            </a:endParaRPr>
+          </a:p>
+          <a:p>
+            <a:r>
+              <a:rPr lang="en-US" sz="4800" dirty="0" smtClean="0">
+                <a:solidFill>
+                  <a:srgbClr val="0000FF"/>
+                </a:solidFill>
+              </a:rPr>
+              <a:t>E[#tries between fails]</a:t>
+            </a:r>
+          </a:p>
+        </p:txBody>
+      </p:sp>
+      <p:sp>
+        <p:nvSpPr>
+          <p:cNvPr id="4" name="Slide Number Placeholder 3"/>
+          <p:cNvSpPr>
+            <a:spLocks noGrp="1"/>
+          </p:cNvSpPr>
+          <p:nvPr>
+            <p:ph type="sldNum" sz="quarter" idx="4"/>
+          </p:nvPr>
+        </p:nvSpPr>
+        <p:spPr/>
+        <p:txBody>
+          <a:bodyPr/>
+          <a:lstStyle/>
+          <a:p>
+            <a:pPr>
+              <a:defRPr/>
+            </a:pPr>
+            <a:r>
+              <a:rPr lang="en-US" smtClean="0"/>
+              <a:t>lec 12F.</a:t>
+            </a:r>
+            <a:fld id="{7886A709-CED2-48A3-8616-B2655C008ECB}" type="slidenum">
+              <a:rPr lang="en-US" smtClean="0"/>
+              <a:pPr>
+                <a:defRPr/>
+              </a:pPr>
+              <a:t>12</a:t>
+            </a:fld>
+            <a:endParaRPr lang="en-US" dirty="0"/>
+          </a:p>
+        </p:txBody>
+      </p:sp>
+      <p:graphicFrame>
+        <p:nvGraphicFramePr>
+          <p:cNvPr id="5" name="Object 4"/>
+          <p:cNvGraphicFramePr>
+            <a:graphicFrameLocks noChangeAspect="1"/>
+          </p:cNvGraphicFramePr>
+          <p:nvPr>
+            <p:extLst>
+              <p:ext uri="{D42A27DB-BD31-4B8C-83A1-F6EECF244321}">
+                <p14:modId xmlns:p14="http://schemas.microsoft.com/office/powerpoint/2010/main" val="2088084262"/>
+              </p:ext>
+            </p:extLst>
+          </p:nvPr>
+        </p:nvGraphicFramePr>
+        <p:xfrm>
+          <a:off x="1440742" y="3656219"/>
+          <a:ext cx="6229350" cy="2286000"/>
+        </p:xfrm>
+        <a:graphic>
+          <a:graphicData uri="http://schemas.openxmlformats.org/presentationml/2006/ole">
+            <mc:AlternateContent xmlns:mc="http://schemas.openxmlformats.org/markup-compatibility/2006">
+              <mc:Choice xmlns:v="urn:schemas-microsoft-com:vml" Requires="v">
+                <p:oleObj spid="_x0000_s1026" name="Equation" r:id="rId3" imgW="1384300" imgH="508000" progId="Equation.DSMT4">
+                  <p:embed/>
+                </p:oleObj>
+              </mc:Choice>
+              <mc:Fallback>
+                <p:oleObj name="Equation" r:id="rId3" imgW="1384300" imgH="508000" progId="Equation.DSMT4">
+                  <p:embed/>
+                  <p:pic>
+                    <p:nvPicPr>
+                      <p:cNvPr id="0" name=""/>
+                      <p:cNvPicPr/>
+                      <p:nvPr/>
+                    </p:nvPicPr>
+                    <p:blipFill>
+                      <a:blip r:embed="rId4"/>
+                      <a:stretch>
+                        <a:fillRect/>
+                      </a:stretch>
+                    </p:blipFill>
+                    <p:spPr>
+                      <a:xfrm>
+                        <a:off x="1440742" y="3656219"/>
+                        <a:ext cx="6229350" cy="2286000"/>
+                      </a:xfrm>
+                      <a:prstGeom prst="rect">
+                        <a:avLst/>
+                      </a:prstGeom>
+                    </p:spPr>
+                  </p:pic>
+                </p:oleObj>
+              </mc:Fallback>
+            </mc:AlternateContent>
+          </a:graphicData>
+        </a:graphic>
+      </p:graphicFrame>
+    </p:spTree>
+    <p:extLst>
+      <p:ext uri="{BB962C8B-B14F-4D97-AF65-F5344CB8AC3E}">
+        <p14:creationId xmlns:p14="http://schemas.microsoft.com/office/powerpoint/2010/main" val="1695965500"/>
+      </p:ext>
+    </p:extLst>
+  </p:cSld>
+  <p:clrMapOvr>
+    <a:masterClrMapping/>
+  </p:clrMapOvr>
+  <p:transition xmlns:p14="http://schemas.microsoft.com/office/powerpoint/2010/main">
+    <p:fade/>
+  </p:transition>
+  <p:timing>
+    <p:tnLst>
+      <p:par>
+        <p:cTn xmlns:p14="http://schemas.microsoft.com/office/powerpoint/2010/main" id="1" dur="indefinite" restart="never" nodeType="tmRoot">
+          <p:childTnLst>
+            <p:seq concurrent="1" nextAc="seek">
+              <p:cTn id="2" dur="indefinite" nodeType="mainSeq">
+                <p:childTnLst>
+                  <p:par>
+                    <p:cTn id="3" fill="hold">
+                      <p:stCondLst>
+                        <p:cond delay="indefinite"/>
+                      </p:stCondLst>
+                      <p:childTnLst>
+                        <p:par>
+                          <p:cTn id="4" fill="hold">
+                            <p:stCondLst>
+                              <p:cond delay="0"/>
+                            </p:stCondLst>
+                            <p:childTnLst>
+                              <p:par>
+                                <p:cTn id="5" presetID="22" presetClass="entr" presetSubtype="8" fill="hold" grpId="0" nodeType="clickEffect">
+                                  <p:stCondLst>
+                                    <p:cond delay="0"/>
+                                  </p:stCondLst>
+                                  <p:childTnLst>
+                                    <p:set>
+                                      <p:cBhvr>
+                                        <p:cTn id="6" dur="1" fill="hold">
+                                          <p:stCondLst>
+                                            <p:cond delay="0"/>
+                                          </p:stCondLst>
+                                        </p:cTn>
+                                        <p:tgtEl>
+                                          <p:spTgt spid="3">
+                                            <p:txEl>
+                                              <p:pRg st="0" end="0"/>
+                                            </p:txEl>
+                                          </p:spTgt>
+                                        </p:tgtEl>
+                                        <p:attrNameLst>
+                                          <p:attrName>style.visibility</p:attrName>
+                                        </p:attrNameLst>
+                                      </p:cBhvr>
+                                      <p:to>
+                                        <p:strVal val="visible"/>
+                                      </p:to>
+                                    </p:set>
+                                    <p:animEffect transition="in" filter="wipe(left)">
+                                      <p:cBhvr>
+                                        <p:cTn id="7" dur="1000"/>
+                                        <p:tgtEl>
+                                          <p:spTgt spid="3">
+                                            <p:txEl>
+                                              <p:pRg st="0" end="0"/>
+                                            </p:txEl>
+                                          </p:spTgt>
+                                        </p:tgtEl>
+                                      </p:cBhvr>
+                                    </p:animEffect>
+                                  </p:childTnLst>
+                                </p:cTn>
+                              </p:par>
+                            </p:childTnLst>
+                          </p:cTn>
+                        </p:par>
+                      </p:childTnLst>
+                    </p:cTn>
+                  </p:par>
+                  <p:par>
+                    <p:cTn id="8" fill="hold">
+                      <p:stCondLst>
+                        <p:cond delay="indefinite"/>
+                      </p:stCondLst>
+                      <p:childTnLst>
+                        <p:par>
+                          <p:cTn id="9" fill="hold">
+                            <p:stCondLst>
+                              <p:cond delay="0"/>
+                            </p:stCondLst>
+                            <p:childTnLst>
+                              <p:par>
+                                <p:cTn id="10" presetID="22" presetClass="entr" presetSubtype="8" fill="hold" grpId="0" nodeType="clickEffect">
+                                  <p:stCondLst>
+                                    <p:cond delay="0"/>
+                                  </p:stCondLst>
+                                  <p:childTnLst>
+                                    <p:set>
+                                      <p:cBhvr>
+                                        <p:cTn id="11" dur="1" fill="hold">
+                                          <p:stCondLst>
+                                            <p:cond delay="0"/>
+                                          </p:stCondLst>
+                                        </p:cTn>
+                                        <p:tgtEl>
+                                          <p:spTgt spid="3">
+                                            <p:txEl>
+                                              <p:pRg st="1" end="1"/>
+                                            </p:txEl>
+                                          </p:spTgt>
+                                        </p:tgtEl>
+                                        <p:attrNameLst>
+                                          <p:attrName>style.visibility</p:attrName>
+                                        </p:attrNameLst>
+                                      </p:cBhvr>
+                                      <p:to>
+                                        <p:strVal val="visible"/>
+                                      </p:to>
+                                    </p:set>
+                                    <p:animEffect transition="in" filter="wipe(left)">
+                                      <p:cBhvr>
+                                        <p:cTn id="12" dur="1000"/>
+                                        <p:tgtEl>
+                                          <p:spTgt spid="3">
+                                            <p:txEl>
+                                              <p:pRg st="1" end="1"/>
+                                            </p:txEl>
+                                          </p:spTgt>
+                                        </p:tgtEl>
+                                      </p:cBhvr>
+                                    </p:animEffect>
+                                  </p:childTnLst>
+                                </p:cTn>
+                              </p:par>
+                            </p:childTnLst>
+                          </p:cTn>
+                        </p:par>
+                      </p:childTnLst>
+                    </p:cTn>
+                  </p:par>
+                  <p:par>
+                    <p:cTn id="13" fill="hold">
+                      <p:stCondLst>
+                        <p:cond delay="indefinite"/>
+                      </p:stCondLst>
+                      <p:childTnLst>
+                        <p:par>
+                          <p:cTn id="14" fill="hold">
+                            <p:stCondLst>
+                              <p:cond delay="0"/>
+                            </p:stCondLst>
+                            <p:childTnLst>
+                              <p:par>
+                                <p:cTn id="15" presetID="22" presetClass="entr" presetSubtype="8" fill="hold" grpId="0" nodeType="clickEffect">
+                                  <p:stCondLst>
+                                    <p:cond delay="0"/>
+                                  </p:stCondLst>
+                                  <p:childTnLst>
+                                    <p:set>
+                                      <p:cBhvr>
+                                        <p:cTn id="16" dur="1" fill="hold">
+                                          <p:stCondLst>
+                                            <p:cond delay="0"/>
+                                          </p:stCondLst>
+                                        </p:cTn>
+                                        <p:tgtEl>
+                                          <p:spTgt spid="3">
+                                            <p:txEl>
+                                              <p:pRg st="2" end="2"/>
+                                            </p:txEl>
+                                          </p:spTgt>
+                                        </p:tgtEl>
+                                        <p:attrNameLst>
+                                          <p:attrName>style.visibility</p:attrName>
+                                        </p:attrNameLst>
+                                      </p:cBhvr>
+                                      <p:to>
+                                        <p:strVal val="visible"/>
+                                      </p:to>
+                                    </p:set>
+                                    <p:animEffect transition="in" filter="wipe(left)">
+                                      <p:cBhvr>
+                                        <p:cTn id="17" dur="1000"/>
+                                        <p:tgtEl>
+                                          <p:spTgt spid="3">
+                                            <p:txEl>
+                                              <p:pRg st="2" end="2"/>
+                                            </p:txEl>
+                                          </p:spTgt>
+                                        </p:tgtEl>
+                                      </p:cBhvr>
+                                    </p:animEffect>
+                                  </p:childTnLst>
+                                </p:cTn>
+                              </p:par>
+                            </p:childTnLst>
+                          </p:cTn>
+                        </p:par>
+                      </p:childTnLst>
+                    </p:cTn>
+                  </p:par>
+                  <p:par>
+                    <p:cTn id="18" fill="hold">
+                      <p:stCondLst>
+                        <p:cond delay="indefinite"/>
+                      </p:stCondLst>
+                      <p:childTnLst>
+                        <p:par>
+                          <p:cTn id="19" fill="hold">
+                            <p:stCondLst>
+                              <p:cond delay="0"/>
+                            </p:stCondLst>
+                            <p:childTnLst>
+                              <p:par>
+                                <p:cTn id="20" presetID="22" presetClass="entr" presetSubtype="8" fill="hold" nodeType="clickEffect">
+                                  <p:stCondLst>
+                                    <p:cond delay="0"/>
+                                  </p:stCondLst>
+                                  <p:childTnLst>
+                                    <p:set>
+                                      <p:cBhvr>
+                                        <p:cTn id="21" dur="1" fill="hold">
+                                          <p:stCondLst>
+                                            <p:cond delay="0"/>
+                                          </p:stCondLst>
+                                        </p:cTn>
+                                        <p:tgtEl>
+                                          <p:spTgt spid="5"/>
+                                        </p:tgtEl>
+                                        <p:attrNameLst>
+                                          <p:attrName>style.visibility</p:attrName>
+                                        </p:attrNameLst>
+                                      </p:cBhvr>
+                                      <p:to>
+                                        <p:strVal val="visible"/>
+                                      </p:to>
+                                    </p:set>
+                                    <p:animEffect transition="in" filter="wipe(left)">
+                                      <p:cBhvr>
+                                        <p:cTn id="22" dur="1000"/>
+                                        <p:tgtEl>
+                                          <p:spTgt spid="5"/>
+                                        </p:tgtEl>
+                                      </p:cBhvr>
+                                    </p:animEffect>
+                                  </p:childTnLst>
+                                </p:cTn>
+                              </p:par>
+                            </p:childTnLst>
+                          </p:cTn>
+                        </p:par>
+                      </p:childTnLst>
+                    </p:cTn>
+                  </p:par>
+                </p:childTnLst>
+              </p:cTn>
+              <p:prevCondLst>
+                <p:cond evt="onPrev" delay="0">
+                  <p:tgtEl>
+                    <p:sldTgt/>
+                  </p:tgtEl>
+                </p:cond>
+              </p:prevCondLst>
+              <p:nextCondLst>
+                <p:cond evt="onNext" delay="0">
+                  <p:tgtEl>
+                    <p:sldTgt/>
+                  </p:tgtEl>
+                </p:cond>
+              </p:nextCondLst>
+            </p:seq>
+          </p:childTnLst>
+        </p:cTn>
+      </p:par>
+    </p:tnLst>
+    <p:bldLst>
+      <p:bldP spid="3" grpId="0" build="p"/>
+    </p:bldLst>
+  </p:timing>
+</p:sld>
+</file>
+
+<file path=ppt/slides/slide13.xml><?xml version="1.0" encoding="utf-8"?>
 <p:sld xmlns:a="http://schemas.openxmlformats.org/drawingml/2006/main" xmlns:r="http://schemas.openxmlformats.org/officeDocument/2006/relationships" xmlns:p="http://schemas.openxmlformats.org/presentationml/2006/main" show="0">
   <p:cSld>
     <p:spTree>
@@ -5004,7 +5528,7 @@
               <a:pPr>
                 <a:defRPr/>
               </a:pPr>
-              <a:t>12</a:t>
+              <a:t>13</a:t>
             </a:fld>
             <a:endParaRPr lang="en-US" sz="1200" dirty="0">
               <a:latin typeface="Comic Sans MS"/>
@@ -5018,13 +5542,13 @@
   <p:clrMapOvr>
     <a:masterClrMapping/>
   </p:clrMapOvr>
-  <mc:AlternateContent xmlns:mc="http://schemas.openxmlformats.org/markup-compatibility/2006" xmlns:p14="http://schemas.microsoft.com/office/powerpoint/2010/main">
-    <mc:Choice Requires="p14">
+  <mc:AlternateContent xmlns:mc="http://schemas.openxmlformats.org/markup-compatibility/2006">
+    <mc:Choice xmlns:p14="http://schemas.microsoft.com/office/powerpoint/2010/main" Requires="p14">
       <p:transition spd="slow" p14:dur="1200">
         <p:fade thruBlk="1"/>
       </p:transition>
     </mc:Choice>
-    <mc:Fallback xmlns="">
+    <mc:Fallback>
       <p:transition xmlns:p14="http://schemas.microsoft.com/office/powerpoint/2010/main" spd="slow">
         <p:fade thruBlk="1"/>
       </p:transition>
@@ -5475,7 +5999,7 @@
 </p:sld>
 </file>
 
-<file path=ppt/slides/slide13.xml><?xml version="1.0" encoding="utf-8"?>
+<file path=ppt/slides/slide14.xml><?xml version="1.0" encoding="utf-8"?>
 <p:sld xmlns:a="http://schemas.openxmlformats.org/drawingml/2006/main" xmlns:r="http://schemas.openxmlformats.org/officeDocument/2006/relationships" xmlns:p="http://schemas.openxmlformats.org/presentationml/2006/main" show="0">
   <p:cSld>
     <p:spTree>
@@ -5600,7 +6124,7 @@
           <a:graphicData uri="http://schemas.openxmlformats.org/presentationml/2006/ole">
             <mc:AlternateContent xmlns:mc="http://schemas.openxmlformats.org/markup-compatibility/2006">
               <mc:Choice xmlns:v="urn:schemas-microsoft-com:vml" Requires="v">
-                <p:oleObj spid="_x0000_s231474" name="Equation" r:id="rId4" imgW="2209800" imgH="508000" progId="Equation.DSMT4">
+                <p:oleObj spid="_x0000_s231477" name="Equation" r:id="rId4" imgW="2209800" imgH="508000" progId="Equation.DSMT4">
                   <p:embed/>
                 </p:oleObj>
               </mc:Choice>
@@ -5793,7 +6317,7 @@
               <a:pPr>
                 <a:defRPr/>
               </a:pPr>
-              <a:t>13</a:t>
+              <a:t>14</a:t>
             </a:fld>
             <a:endParaRPr lang="en-US" sz="1200" dirty="0">
               <a:latin typeface="Comic Sans MS"/>
@@ -5833,13 +6357,13 @@
   <p:clrMapOvr>
     <a:masterClrMapping/>
   </p:clrMapOvr>
-  <mc:AlternateContent xmlns:mc="http://schemas.openxmlformats.org/markup-compatibility/2006" xmlns:p14="http://schemas.microsoft.com/office/powerpoint/2010/main">
-    <mc:Choice Requires="p14">
+  <mc:AlternateContent xmlns:mc="http://schemas.openxmlformats.org/markup-compatibility/2006">
+    <mc:Choice xmlns:p14="http://schemas.microsoft.com/office/powerpoint/2010/main" Requires="p14">
       <p:transition spd="slow" p14:dur="1200">
         <p:fade/>
       </p:transition>
     </mc:Choice>
-    <mc:Fallback xmlns="">
+    <mc:Fallback>
       <p:transition xmlns:p14="http://schemas.microsoft.com/office/powerpoint/2010/main" spd="slow">
         <p:fade/>
       </p:transition>
@@ -6328,22 +6852,40 @@
           <a:lstStyle/>
           <a:p>
             <a:r>
+              <a:rPr lang="en-US" sz="5400" i="0" dirty="0" err="1" smtClean="0">
+                <a:latin typeface="Comic Sans MS" pitchFamily="66" charset="0"/>
+              </a:rPr>
+              <a:t>pr</a:t>
+            </a:r>
+            <a:r>
+              <a:rPr lang="en-US" sz="5400" i="0" dirty="0" smtClean="0">
+                <a:latin typeface="Comic Sans MS" pitchFamily="66" charset="0"/>
+              </a:rPr>
+              <a:t>[1st </a:t>
+            </a:r>
+            <a:r>
+              <a:rPr lang="en-US" sz="5400" i="0" dirty="0" smtClean="0">
+                <a:latin typeface="Comic Sans MS" pitchFamily="66" charset="0"/>
+              </a:rPr>
+              <a:t>H </a:t>
+            </a:r>
+            <a:r>
               <a:rPr lang="en-US" sz="5400" i="0" dirty="0">
                 <a:latin typeface="Comic Sans MS" pitchFamily="66" charset="0"/>
               </a:rPr>
-              <a:t>pr{1st </a:t>
+              <a:t>on flip </a:t>
             </a:r>
             <a:r>
               <a:rPr lang="en-US" sz="5400" i="0" dirty="0" smtClean="0">
                 <a:latin typeface="Comic Sans MS" pitchFamily="66" charset="0"/>
               </a:rPr>
-              <a:t>H </a:t>
+              <a:t>1]  </a:t>
             </a:r>
             <a:r>
               <a:rPr lang="en-US" sz="5400" i="0" dirty="0">
                 <a:latin typeface="Comic Sans MS" pitchFamily="66" charset="0"/>
               </a:rPr>
-              <a:t>on flip 1}  = </a:t>
+              <a:t>= </a:t>
             </a:r>
             <a:r>
               <a:rPr lang="en-US" sz="5400" i="0" dirty="0" smtClean="0">
@@ -6363,22 +6905,34 @@
           </a:p>
           <a:p>
             <a:r>
+              <a:rPr lang="en-US" sz="5400" i="0" dirty="0" err="1" smtClean="0">
+                <a:latin typeface="Comic Sans MS" pitchFamily="66" charset="0"/>
+              </a:rPr>
+              <a:t>pr</a:t>
+            </a:r>
+            <a:r>
+              <a:rPr lang="en-US" sz="5400" i="0" dirty="0" smtClean="0">
+                <a:latin typeface="Comic Sans MS" pitchFamily="66" charset="0"/>
+              </a:rPr>
+              <a:t>[1st </a:t>
+            </a:r>
+            <a:r>
+              <a:rPr lang="en-US" sz="5400" i="0" dirty="0" smtClean="0">
+                <a:latin typeface="Comic Sans MS" pitchFamily="66" charset="0"/>
+              </a:rPr>
+              <a:t>H </a:t>
+            </a:r>
+            <a:r>
               <a:rPr lang="en-US" sz="5400" i="0" dirty="0">
                 <a:latin typeface="Comic Sans MS" pitchFamily="66" charset="0"/>
               </a:rPr>
-              <a:t>pr{1st </a:t>
+              <a:t>on flip </a:t>
             </a:r>
             <a:r>
               <a:rPr lang="en-US" sz="5400" i="0" dirty="0" smtClean="0">
                 <a:latin typeface="Comic Sans MS" pitchFamily="66" charset="0"/>
               </a:rPr>
-              <a:t>H </a:t>
-            </a:r>
-            <a:r>
-              <a:rPr lang="en-US" sz="5400" i="0" dirty="0">
-                <a:latin typeface="Comic Sans MS" pitchFamily="66" charset="0"/>
-              </a:rPr>
-              <a:t>on flip 2} </a:t>
+              <a:t>2] </a:t>
             </a:r>
             <a:r>
               <a:rPr lang="en-US" sz="5400" i="0" dirty="0" smtClean="0">
@@ -6421,22 +6975,40 @@
           </a:p>
           <a:p>
             <a:r>
+              <a:rPr lang="en-US" sz="5400" i="0" dirty="0" err="1" smtClean="0">
+                <a:latin typeface="Comic Sans MS" pitchFamily="66" charset="0"/>
+              </a:rPr>
+              <a:t>pr</a:t>
+            </a:r>
+            <a:r>
+              <a:rPr lang="en-US" sz="5400" i="0" dirty="0" smtClean="0">
+                <a:latin typeface="Comic Sans MS" pitchFamily="66" charset="0"/>
+              </a:rPr>
+              <a:t>[1st </a:t>
+            </a:r>
+            <a:r>
+              <a:rPr lang="en-US" sz="5400" i="0" dirty="0" smtClean="0">
+                <a:latin typeface="Comic Sans MS" pitchFamily="66" charset="0"/>
+              </a:rPr>
+              <a:t>H </a:t>
+            </a:r>
+            <a:r>
               <a:rPr lang="en-US" sz="5400" i="0" dirty="0">
                 <a:latin typeface="Comic Sans MS" pitchFamily="66" charset="0"/>
               </a:rPr>
-              <a:t>pr{1st </a:t>
+              <a:t>on flip </a:t>
             </a:r>
             <a:r>
               <a:rPr lang="en-US" sz="5400" i="0" dirty="0" smtClean="0">
                 <a:latin typeface="Comic Sans MS" pitchFamily="66" charset="0"/>
               </a:rPr>
-              <a:t>H </a:t>
+              <a:t>3] </a:t>
             </a:r>
             <a:r>
               <a:rPr lang="en-US" sz="5400" i="0" dirty="0">
                 <a:latin typeface="Comic Sans MS" pitchFamily="66" charset="0"/>
               </a:rPr>
-              <a:t>on flip 3} = </a:t>
+              <a:t>= </a:t>
             </a:r>
             <a:r>
               <a:rPr lang="en-US" sz="5400" i="0" dirty="0" smtClean="0">
@@ -7836,7 +8408,7 @@
           <a:graphicData uri="http://schemas.openxmlformats.org/presentationml/2006/ole">
             <mc:AlternateContent xmlns:mc="http://schemas.openxmlformats.org/markup-compatibility/2006">
               <mc:Choice xmlns:v="urn:schemas-microsoft-com:vml" Requires="v">
-                <p:oleObj spid="_x0000_s562218" name="Equation" r:id="rId4" imgW="152400" imgH="508000" progId="Equation.DSMT4">
+                <p:oleObj spid="_x0000_s562221" name="Equation" r:id="rId4" imgW="152400" imgH="508000" progId="Equation.DSMT4">
                   <p:embed/>
                 </p:oleObj>
               </mc:Choice>
@@ -8678,7 +9250,7 @@
           <a:graphicData uri="http://schemas.openxmlformats.org/presentationml/2006/ole">
             <mc:AlternateContent xmlns:mc="http://schemas.openxmlformats.org/markup-compatibility/2006">
               <mc:Choice xmlns:v="urn:schemas-microsoft-com:vml" Requires="v">
-                <p:oleObj spid="_x0000_s219188" name="Equation" r:id="rId4" imgW="177800" imgH="165100" progId="Equation.DSMT4">
+                <p:oleObj spid="_x0000_s219191" name="Equation" r:id="rId4" imgW="177800" imgH="165100" progId="Equation.DSMT4">
                   <p:embed/>
                 </p:oleObj>
               </mc:Choice>
@@ -9862,7 +10434,7 @@
           <a:graphicData uri="http://schemas.openxmlformats.org/presentationml/2006/ole">
             <mc:AlternateContent xmlns:mc="http://schemas.openxmlformats.org/markup-compatibility/2006">
               <mc:Choice xmlns:v="urn:schemas-microsoft-com:vml" Requires="v">
-                <p:oleObj spid="_x0000_s221233" name="Equation" r:id="rId4" imgW="914400" imgH="220320" progId="Equation.DSMT4">
+                <p:oleObj spid="_x0000_s221236" name="Equation" r:id="rId4" imgW="914400" imgH="220320" progId="Equation.DSMT4">
                   <p:embed/>
                 </p:oleObj>
               </mc:Choice>
@@ -10893,7 +11465,7 @@
           <a:graphicData uri="http://schemas.openxmlformats.org/presentationml/2006/ole">
             <mc:AlternateContent xmlns:mc="http://schemas.openxmlformats.org/markup-compatibility/2006">
               <mc:Choice xmlns:v="urn:schemas-microsoft-com:vml" Requires="v">
-                <p:oleObj spid="_x0000_s223281" name="Equation" r:id="rId4" imgW="914400" imgH="220320" progId="Equation.DSMT4">
+                <p:oleObj spid="_x0000_s223284" name="Equation" r:id="rId4" imgW="914400" imgH="220320" progId="Equation.DSMT4">
                   <p:embed/>
                 </p:oleObj>
               </mc:Choice>
@@ -12327,7 +12899,7 @@
           <a:graphicData uri="http://schemas.openxmlformats.org/presentationml/2006/ole">
             <mc:AlternateContent xmlns:mc="http://schemas.openxmlformats.org/markup-compatibility/2006">
               <mc:Choice xmlns:v="urn:schemas-microsoft-com:vml" Requires="v">
-                <p:oleObj spid="_x0000_s225331" name="Equation" r:id="rId4" imgW="914400" imgH="220320" progId="Equation.DSMT4">
+                <p:oleObj spid="_x0000_s225334" name="Equation" r:id="rId4" imgW="914400" imgH="220320" progId="Equation.DSMT4">
                   <p:embed/>
                 </p:oleObj>
               </mc:Choice>
